--- a/落書きリビジョン管理設計.pptx
+++ b/落書きリビジョン管理設計.pptx
@@ -4,6 +4,9 @@
   <p:sldMasterIdLst>
     <p:sldMasterId id="2147483648" r:id="rId1"/>
   </p:sldMasterIdLst>
+  <p:notesMasterIdLst>
+    <p:notesMasterId r:id="rId12"/>
+  </p:notesMasterIdLst>
   <p:sldIdLst>
     <p:sldId id="264" r:id="rId2"/>
     <p:sldId id="259" r:id="rId3"/>
@@ -121,6 +124,1044 @@
 </p:presentation>
 </file>
 
+<file path=ppt/revisionInfo.xml><?xml version="1.0" encoding="utf-8"?>
+<p1510:revInfo xmlns:a="http://schemas.openxmlformats.org/drawingml/2006/main" xmlns:r="http://schemas.openxmlformats.org/officeDocument/2006/relationships" xmlns:p1510="http://schemas.microsoft.com/office/powerpoint/2015/10/main">
+  <p1510:revLst>
+    <p1510:client id="{A82F3926-723D-4594-A741-ACA09C45263A}" v="499" dt="2020-11-16T02:43:47.822"/>
+  </p1510:revLst>
+</p1510:revInfo>
+</file>
+
+<file path=ppt/changesInfos/changesInfo1.xml><?xml version="1.0" encoding="utf-8"?>
+<pc:chgInfo xmlns:a="http://schemas.openxmlformats.org/drawingml/2006/main" xmlns:r="http://schemas.openxmlformats.org/officeDocument/2006/relationships" xmlns:ac="http://schemas.microsoft.com/office/drawing/2013/main/command" xmlns:pc="http://schemas.microsoft.com/office/powerpoint/2013/main/command">
+  <pc:docChgLst>
+    <pc:chgData name="Terasawa, Hitomi" userId="0e55cfaa-125b-48aa-ad83-1d69c80033e5" providerId="ADAL" clId="{A82F3926-723D-4594-A741-ACA09C45263A}"/>
+    <pc:docChg chg="undo custSel modSld">
+      <pc:chgData name="Terasawa, Hitomi" userId="0e55cfaa-125b-48aa-ad83-1d69c80033e5" providerId="ADAL" clId="{A82F3926-723D-4594-A741-ACA09C45263A}" dt="2020-11-16T02:43:47.727" v="2246" actId="20577"/>
+      <pc:docMkLst>
+        <pc:docMk/>
+      </pc:docMkLst>
+      <pc:sldChg chg="modNotesTx">
+        <pc:chgData name="Terasawa, Hitomi" userId="0e55cfaa-125b-48aa-ad83-1d69c80033e5" providerId="ADAL" clId="{A82F3926-723D-4594-A741-ACA09C45263A}" dt="2020-11-16T00:27:40.353" v="179" actId="20577"/>
+        <pc:sldMkLst>
+          <pc:docMk/>
+          <pc:sldMk cId="873049552" sldId="257"/>
+        </pc:sldMkLst>
+      </pc:sldChg>
+      <pc:sldChg chg="modNotesTx">
+        <pc:chgData name="Terasawa, Hitomi" userId="0e55cfaa-125b-48aa-ad83-1d69c80033e5" providerId="ADAL" clId="{A82F3926-723D-4594-A741-ACA09C45263A}" dt="2020-11-16T01:28:15.187" v="978" actId="20577"/>
+        <pc:sldMkLst>
+          <pc:docMk/>
+          <pc:sldMk cId="1521213938" sldId="262"/>
+        </pc:sldMkLst>
+      </pc:sldChg>
+      <pc:sldChg chg="modSp modNotesTx">
+        <pc:chgData name="Terasawa, Hitomi" userId="0e55cfaa-125b-48aa-ad83-1d69c80033e5" providerId="ADAL" clId="{A82F3926-723D-4594-A741-ACA09C45263A}" dt="2020-11-16T02:43:47.727" v="2246" actId="20577"/>
+        <pc:sldMkLst>
+          <pc:docMk/>
+          <pc:sldMk cId="802086342" sldId="263"/>
+        </pc:sldMkLst>
+        <pc:spChg chg="mod">
+          <ac:chgData name="Terasawa, Hitomi" userId="0e55cfaa-125b-48aa-ad83-1d69c80033e5" providerId="ADAL" clId="{A82F3926-723D-4594-A741-ACA09C45263A}" dt="2020-11-16T01:16:18.421" v="301" actId="20577"/>
+          <ac:spMkLst>
+            <pc:docMk/>
+            <pc:sldMk cId="802086342" sldId="263"/>
+            <ac:spMk id="57" creationId="{710AF0E8-E3C2-446C-8F73-234ABC302A1A}"/>
+          </ac:spMkLst>
+        </pc:spChg>
+        <pc:spChg chg="mod">
+          <ac:chgData name="Terasawa, Hitomi" userId="0e55cfaa-125b-48aa-ad83-1d69c80033e5" providerId="ADAL" clId="{A82F3926-723D-4594-A741-ACA09C45263A}" dt="2020-11-16T02:25:10.928" v="1659" actId="14100"/>
+          <ac:spMkLst>
+            <pc:docMk/>
+            <pc:sldMk cId="802086342" sldId="263"/>
+            <ac:spMk id="81" creationId="{CA6B30B2-2251-4470-BF3D-00E5E2E64EE2}"/>
+          </ac:spMkLst>
+        </pc:spChg>
+      </pc:sldChg>
+    </pc:docChg>
+  </pc:docChgLst>
+</pc:chgInfo>
+</file>
+
+<file path=ppt/notesMasters/notesMaster1.xml><?xml version="1.0" encoding="utf-8"?>
+<p:notesMaster xmlns:a="http://schemas.openxmlformats.org/drawingml/2006/main" xmlns:r="http://schemas.openxmlformats.org/officeDocument/2006/relationships" xmlns:p="http://schemas.openxmlformats.org/presentationml/2006/main">
+  <p:cSld>
+    <p:bg>
+      <p:bgRef idx="1001">
+        <a:schemeClr val="bg1"/>
+      </p:bgRef>
+    </p:bg>
+    <p:spTree>
+      <p:nvGrpSpPr>
+        <p:cNvPr id="1" name=""/>
+        <p:cNvGrpSpPr/>
+        <p:nvPr/>
+      </p:nvGrpSpPr>
+      <p:grpSpPr>
+        <a:xfrm>
+          <a:off x="0" y="0"/>
+          <a:ext cx="0" cy="0"/>
+          <a:chOff x="0" y="0"/>
+          <a:chExt cx="0" cy="0"/>
+        </a:xfrm>
+      </p:grpSpPr>
+      <p:sp>
+        <p:nvSpPr>
+          <p:cNvPr id="2" name="ヘッダー プレースホルダー 1"/>
+          <p:cNvSpPr>
+            <a:spLocks noGrp="1"/>
+          </p:cNvSpPr>
+          <p:nvPr>
+            <p:ph type="hdr" sz="quarter"/>
+          </p:nvPr>
+        </p:nvSpPr>
+        <p:spPr>
+          <a:xfrm>
+            <a:off x="0" y="0"/>
+            <a:ext cx="2971800" cy="458788"/>
+          </a:xfrm>
+          <a:prstGeom prst="rect">
+            <a:avLst/>
+          </a:prstGeom>
+        </p:spPr>
+        <p:txBody>
+          <a:bodyPr vert="horz" lIns="91440" tIns="45720" rIns="91440" bIns="45720" rtlCol="0"/>
+          <a:lstStyle>
+            <a:lvl1pPr algn="l">
+              <a:defRPr sz="1200"/>
+            </a:lvl1pPr>
+          </a:lstStyle>
+          <a:p>
+            <a:endParaRPr kumimoji="1" lang="ja-JP" altLang="en-US"/>
+          </a:p>
+        </p:txBody>
+      </p:sp>
+      <p:sp>
+        <p:nvSpPr>
+          <p:cNvPr id="3" name="日付プレースホルダー 2"/>
+          <p:cNvSpPr>
+            <a:spLocks noGrp="1"/>
+          </p:cNvSpPr>
+          <p:nvPr>
+            <p:ph type="dt" idx="1"/>
+          </p:nvPr>
+        </p:nvSpPr>
+        <p:spPr>
+          <a:xfrm>
+            <a:off x="3884613" y="0"/>
+            <a:ext cx="2971800" cy="458788"/>
+          </a:xfrm>
+          <a:prstGeom prst="rect">
+            <a:avLst/>
+          </a:prstGeom>
+        </p:spPr>
+        <p:txBody>
+          <a:bodyPr vert="horz" lIns="91440" tIns="45720" rIns="91440" bIns="45720" rtlCol="0"/>
+          <a:lstStyle>
+            <a:lvl1pPr algn="r">
+              <a:defRPr sz="1200"/>
+            </a:lvl1pPr>
+          </a:lstStyle>
+          <a:p>
+            <a:fld id="{C8F9106B-3A01-4405-88C0-B36FBF2E784E}" type="datetimeFigureOut">
+              <a:rPr kumimoji="1" lang="ja-JP" altLang="en-US" smtClean="0"/>
+              <a:t>2020/11/16</a:t>
+            </a:fld>
+            <a:endParaRPr kumimoji="1" lang="ja-JP" altLang="en-US"/>
+          </a:p>
+        </p:txBody>
+      </p:sp>
+      <p:sp>
+        <p:nvSpPr>
+          <p:cNvPr id="4" name="スライド イメージ プレースホルダー 3"/>
+          <p:cNvSpPr>
+            <a:spLocks noGrp="1" noRot="1" noChangeAspect="1"/>
+          </p:cNvSpPr>
+          <p:nvPr>
+            <p:ph type="sldImg" idx="2"/>
+          </p:nvPr>
+        </p:nvSpPr>
+        <p:spPr>
+          <a:xfrm>
+            <a:off x="685800" y="1143000"/>
+            <a:ext cx="5486400" cy="3086100"/>
+          </a:xfrm>
+          <a:prstGeom prst="rect">
+            <a:avLst/>
+          </a:prstGeom>
+          <a:noFill/>
+          <a:ln w="12700">
+            <a:solidFill>
+              <a:prstClr val="black"/>
+            </a:solidFill>
+          </a:ln>
+        </p:spPr>
+        <p:txBody>
+          <a:bodyPr vert="horz" lIns="91440" tIns="45720" rIns="91440" bIns="45720" rtlCol="0" anchor="ctr"/>
+          <a:lstStyle/>
+          <a:p>
+            <a:endParaRPr lang="ja-JP" altLang="en-US"/>
+          </a:p>
+        </p:txBody>
+      </p:sp>
+      <p:sp>
+        <p:nvSpPr>
+          <p:cNvPr id="5" name="ノート プレースホルダー 4"/>
+          <p:cNvSpPr>
+            <a:spLocks noGrp="1"/>
+          </p:cNvSpPr>
+          <p:nvPr>
+            <p:ph type="body" sz="quarter" idx="3"/>
+          </p:nvPr>
+        </p:nvSpPr>
+        <p:spPr>
+          <a:xfrm>
+            <a:off x="685800" y="4400550"/>
+            <a:ext cx="5486400" cy="3600450"/>
+          </a:xfrm>
+          <a:prstGeom prst="rect">
+            <a:avLst/>
+          </a:prstGeom>
+        </p:spPr>
+        <p:txBody>
+          <a:bodyPr vert="horz" lIns="91440" tIns="45720" rIns="91440" bIns="45720" rtlCol="0"/>
+          <a:lstStyle/>
+          <a:p>
+            <a:pPr lvl="0"/>
+            <a:r>
+              <a:rPr kumimoji="1" lang="ja-JP" altLang="en-US"/>
+              <a:t>マスター テキストの書式設定</a:t>
+            </a:r>
+          </a:p>
+          <a:p>
+            <a:pPr lvl="1"/>
+            <a:r>
+              <a:rPr kumimoji="1" lang="ja-JP" altLang="en-US"/>
+              <a:t>第 </a:t>
+            </a:r>
+            <a:r>
+              <a:rPr kumimoji="1" lang="en-US" altLang="ja-JP"/>
+              <a:t>2 </a:t>
+            </a:r>
+            <a:r>
+              <a:rPr kumimoji="1" lang="ja-JP" altLang="en-US"/>
+              <a:t>レベル</a:t>
+            </a:r>
+          </a:p>
+          <a:p>
+            <a:pPr lvl="2"/>
+            <a:r>
+              <a:rPr kumimoji="1" lang="ja-JP" altLang="en-US"/>
+              <a:t>第 </a:t>
+            </a:r>
+            <a:r>
+              <a:rPr kumimoji="1" lang="en-US" altLang="ja-JP"/>
+              <a:t>3 </a:t>
+            </a:r>
+            <a:r>
+              <a:rPr kumimoji="1" lang="ja-JP" altLang="en-US"/>
+              <a:t>レベル</a:t>
+            </a:r>
+          </a:p>
+          <a:p>
+            <a:pPr lvl="3"/>
+            <a:r>
+              <a:rPr kumimoji="1" lang="ja-JP" altLang="en-US"/>
+              <a:t>第 </a:t>
+            </a:r>
+            <a:r>
+              <a:rPr kumimoji="1" lang="en-US" altLang="ja-JP"/>
+              <a:t>4 </a:t>
+            </a:r>
+            <a:r>
+              <a:rPr kumimoji="1" lang="ja-JP" altLang="en-US"/>
+              <a:t>レベル</a:t>
+            </a:r>
+          </a:p>
+          <a:p>
+            <a:pPr lvl="4"/>
+            <a:r>
+              <a:rPr kumimoji="1" lang="ja-JP" altLang="en-US"/>
+              <a:t>第 </a:t>
+            </a:r>
+            <a:r>
+              <a:rPr kumimoji="1" lang="en-US" altLang="ja-JP"/>
+              <a:t>5 </a:t>
+            </a:r>
+            <a:r>
+              <a:rPr kumimoji="1" lang="ja-JP" altLang="en-US"/>
+              <a:t>レベル</a:t>
+            </a:r>
+          </a:p>
+        </p:txBody>
+      </p:sp>
+      <p:sp>
+        <p:nvSpPr>
+          <p:cNvPr id="6" name="フッター プレースホルダー 5"/>
+          <p:cNvSpPr>
+            <a:spLocks noGrp="1"/>
+          </p:cNvSpPr>
+          <p:nvPr>
+            <p:ph type="ftr" sz="quarter" idx="4"/>
+          </p:nvPr>
+        </p:nvSpPr>
+        <p:spPr>
+          <a:xfrm>
+            <a:off x="0" y="8685213"/>
+            <a:ext cx="2971800" cy="458787"/>
+          </a:xfrm>
+          <a:prstGeom prst="rect">
+            <a:avLst/>
+          </a:prstGeom>
+        </p:spPr>
+        <p:txBody>
+          <a:bodyPr vert="horz" lIns="91440" tIns="45720" rIns="91440" bIns="45720" rtlCol="0" anchor="b"/>
+          <a:lstStyle>
+            <a:lvl1pPr algn="l">
+              <a:defRPr sz="1200"/>
+            </a:lvl1pPr>
+          </a:lstStyle>
+          <a:p>
+            <a:endParaRPr kumimoji="1" lang="ja-JP" altLang="en-US"/>
+          </a:p>
+        </p:txBody>
+      </p:sp>
+      <p:sp>
+        <p:nvSpPr>
+          <p:cNvPr id="7" name="スライド番号プレースホルダー 6"/>
+          <p:cNvSpPr>
+            <a:spLocks noGrp="1"/>
+          </p:cNvSpPr>
+          <p:nvPr>
+            <p:ph type="sldNum" sz="quarter" idx="5"/>
+          </p:nvPr>
+        </p:nvSpPr>
+        <p:spPr>
+          <a:xfrm>
+            <a:off x="3884613" y="8685213"/>
+            <a:ext cx="2971800" cy="458787"/>
+          </a:xfrm>
+          <a:prstGeom prst="rect">
+            <a:avLst/>
+          </a:prstGeom>
+        </p:spPr>
+        <p:txBody>
+          <a:bodyPr vert="horz" lIns="91440" tIns="45720" rIns="91440" bIns="45720" rtlCol="0" anchor="b"/>
+          <a:lstStyle>
+            <a:lvl1pPr algn="r">
+              <a:defRPr sz="1200"/>
+            </a:lvl1pPr>
+          </a:lstStyle>
+          <a:p>
+            <a:fld id="{C33159BC-B929-4E64-A279-189C8F46D2F6}" type="slidenum">
+              <a:rPr kumimoji="1" lang="ja-JP" altLang="en-US" smtClean="0"/>
+              <a:t>‹#›</a:t>
+            </a:fld>
+            <a:endParaRPr kumimoji="1" lang="ja-JP" altLang="en-US"/>
+          </a:p>
+        </p:txBody>
+      </p:sp>
+    </p:spTree>
+    <p:extLst>
+      <p:ext uri="{BB962C8B-B14F-4D97-AF65-F5344CB8AC3E}">
+        <p14:creationId xmlns:p14="http://schemas.microsoft.com/office/powerpoint/2010/main" val="3956609541"/>
+      </p:ext>
+    </p:extLst>
+  </p:cSld>
+  <p:clrMap bg1="lt1" tx1="dk1" bg2="lt2" tx2="dk2" accent1="accent1" accent2="accent2" accent3="accent3" accent4="accent4" accent5="accent5" accent6="accent6" hlink="hlink" folHlink="folHlink"/>
+  <p:notesStyle>
+    <a:lvl1pPr marL="0" algn="l" defTabSz="914400" rtl="0" eaLnBrk="1" latinLnBrk="0" hangingPunct="1">
+      <a:defRPr kumimoji="1" sz="1200" kern="1200">
+        <a:solidFill>
+          <a:schemeClr val="tx1"/>
+        </a:solidFill>
+        <a:latin typeface="+mn-lt"/>
+        <a:ea typeface="+mn-ea"/>
+        <a:cs typeface="+mn-cs"/>
+      </a:defRPr>
+    </a:lvl1pPr>
+    <a:lvl2pPr marL="457200" algn="l" defTabSz="914400" rtl="0" eaLnBrk="1" latinLnBrk="0" hangingPunct="1">
+      <a:defRPr kumimoji="1" sz="1200" kern="1200">
+        <a:solidFill>
+          <a:schemeClr val="tx1"/>
+        </a:solidFill>
+        <a:latin typeface="+mn-lt"/>
+        <a:ea typeface="+mn-ea"/>
+        <a:cs typeface="+mn-cs"/>
+      </a:defRPr>
+    </a:lvl2pPr>
+    <a:lvl3pPr marL="914400" algn="l" defTabSz="914400" rtl="0" eaLnBrk="1" latinLnBrk="0" hangingPunct="1">
+      <a:defRPr kumimoji="1" sz="1200" kern="1200">
+        <a:solidFill>
+          <a:schemeClr val="tx1"/>
+        </a:solidFill>
+        <a:latin typeface="+mn-lt"/>
+        <a:ea typeface="+mn-ea"/>
+        <a:cs typeface="+mn-cs"/>
+      </a:defRPr>
+    </a:lvl3pPr>
+    <a:lvl4pPr marL="1371600" algn="l" defTabSz="914400" rtl="0" eaLnBrk="1" latinLnBrk="0" hangingPunct="1">
+      <a:defRPr kumimoji="1" sz="1200" kern="1200">
+        <a:solidFill>
+          <a:schemeClr val="tx1"/>
+        </a:solidFill>
+        <a:latin typeface="+mn-lt"/>
+        <a:ea typeface="+mn-ea"/>
+        <a:cs typeface="+mn-cs"/>
+      </a:defRPr>
+    </a:lvl4pPr>
+    <a:lvl5pPr marL="1828800" algn="l" defTabSz="914400" rtl="0" eaLnBrk="1" latinLnBrk="0" hangingPunct="1">
+      <a:defRPr kumimoji="1" sz="1200" kern="1200">
+        <a:solidFill>
+          <a:schemeClr val="tx1"/>
+        </a:solidFill>
+        <a:latin typeface="+mn-lt"/>
+        <a:ea typeface="+mn-ea"/>
+        <a:cs typeface="+mn-cs"/>
+      </a:defRPr>
+    </a:lvl5pPr>
+    <a:lvl6pPr marL="2286000" algn="l" defTabSz="914400" rtl="0" eaLnBrk="1" latinLnBrk="0" hangingPunct="1">
+      <a:defRPr kumimoji="1" sz="1200" kern="1200">
+        <a:solidFill>
+          <a:schemeClr val="tx1"/>
+        </a:solidFill>
+        <a:latin typeface="+mn-lt"/>
+        <a:ea typeface="+mn-ea"/>
+        <a:cs typeface="+mn-cs"/>
+      </a:defRPr>
+    </a:lvl6pPr>
+    <a:lvl7pPr marL="2743200" algn="l" defTabSz="914400" rtl="0" eaLnBrk="1" latinLnBrk="0" hangingPunct="1">
+      <a:defRPr kumimoji="1" sz="1200" kern="1200">
+        <a:solidFill>
+          <a:schemeClr val="tx1"/>
+        </a:solidFill>
+        <a:latin typeface="+mn-lt"/>
+        <a:ea typeface="+mn-ea"/>
+        <a:cs typeface="+mn-cs"/>
+      </a:defRPr>
+    </a:lvl7pPr>
+    <a:lvl8pPr marL="3200400" algn="l" defTabSz="914400" rtl="0" eaLnBrk="1" latinLnBrk="0" hangingPunct="1">
+      <a:defRPr kumimoji="1" sz="1200" kern="1200">
+        <a:solidFill>
+          <a:schemeClr val="tx1"/>
+        </a:solidFill>
+        <a:latin typeface="+mn-lt"/>
+        <a:ea typeface="+mn-ea"/>
+        <a:cs typeface="+mn-cs"/>
+      </a:defRPr>
+    </a:lvl8pPr>
+    <a:lvl9pPr marL="3657600" algn="l" defTabSz="914400" rtl="0" eaLnBrk="1" latinLnBrk="0" hangingPunct="1">
+      <a:defRPr kumimoji="1" sz="1200" kern="1200">
+        <a:solidFill>
+          <a:schemeClr val="tx1"/>
+        </a:solidFill>
+        <a:latin typeface="+mn-lt"/>
+        <a:ea typeface="+mn-ea"/>
+        <a:cs typeface="+mn-cs"/>
+      </a:defRPr>
+    </a:lvl9pPr>
+  </p:notesStyle>
+</p:notesMaster>
+</file>
+
+<file path=ppt/notesSlides/notesSlide1.xml><?xml version="1.0" encoding="utf-8"?>
+<p:notes xmlns:a="http://schemas.openxmlformats.org/drawingml/2006/main" xmlns:r="http://schemas.openxmlformats.org/officeDocument/2006/relationships" xmlns:p="http://schemas.openxmlformats.org/presentationml/2006/main">
+  <p:cSld>
+    <p:spTree>
+      <p:nvGrpSpPr>
+        <p:cNvPr id="1" name=""/>
+        <p:cNvGrpSpPr/>
+        <p:nvPr/>
+      </p:nvGrpSpPr>
+      <p:grpSpPr>
+        <a:xfrm>
+          <a:off x="0" y="0"/>
+          <a:ext cx="0" cy="0"/>
+          <a:chOff x="0" y="0"/>
+          <a:chExt cx="0" cy="0"/>
+        </a:xfrm>
+      </p:grpSpPr>
+      <p:sp>
+        <p:nvSpPr>
+          <p:cNvPr id="2" name="スライド イメージ プレースホルダー 1"/>
+          <p:cNvSpPr>
+            <a:spLocks noGrp="1" noRot="1" noChangeAspect="1"/>
+          </p:cNvSpPr>
+          <p:nvPr>
+            <p:ph type="sldImg"/>
+          </p:nvPr>
+        </p:nvSpPr>
+        <p:spPr/>
+      </p:sp>
+      <p:sp>
+        <p:nvSpPr>
+          <p:cNvPr id="3" name="ノート プレースホルダー 2"/>
+          <p:cNvSpPr>
+            <a:spLocks noGrp="1"/>
+          </p:cNvSpPr>
+          <p:nvPr>
+            <p:ph type="body" idx="1"/>
+          </p:nvPr>
+        </p:nvSpPr>
+        <p:spPr/>
+        <p:txBody>
+          <a:bodyPr/>
+          <a:lstStyle/>
+          <a:p>
+            <a:r>
+              <a:rPr kumimoji="1" lang="ja-JP" altLang="en-US" dirty="0"/>
+              <a:t>横軸：新着の記事更新きっかけで増加？</a:t>
+            </a:r>
+            <a:endParaRPr kumimoji="1" lang="en-US" altLang="ja-JP" dirty="0"/>
+          </a:p>
+          <a:p>
+            <a:r>
+              <a:rPr kumimoji="1" lang="ja-JP" altLang="en-US" dirty="0"/>
+              <a:t>縦軸：配信タイミングで増加？</a:t>
+            </a:r>
+          </a:p>
+        </p:txBody>
+      </p:sp>
+      <p:sp>
+        <p:nvSpPr>
+          <p:cNvPr id="4" name="スライド番号プレースホルダー 3"/>
+          <p:cNvSpPr>
+            <a:spLocks noGrp="1"/>
+          </p:cNvSpPr>
+          <p:nvPr>
+            <p:ph type="sldNum" sz="quarter" idx="5"/>
+          </p:nvPr>
+        </p:nvSpPr>
+        <p:spPr/>
+        <p:txBody>
+          <a:bodyPr/>
+          <a:lstStyle/>
+          <a:p>
+            <a:fld id="{C33159BC-B929-4E64-A279-189C8F46D2F6}" type="slidenum">
+              <a:rPr kumimoji="1" lang="ja-JP" altLang="en-US" smtClean="0"/>
+              <a:t>4</a:t>
+            </a:fld>
+            <a:endParaRPr kumimoji="1" lang="ja-JP" altLang="en-US"/>
+          </a:p>
+        </p:txBody>
+      </p:sp>
+    </p:spTree>
+    <p:extLst>
+      <p:ext uri="{BB962C8B-B14F-4D97-AF65-F5344CB8AC3E}">
+        <p14:creationId xmlns:p14="http://schemas.microsoft.com/office/powerpoint/2010/main" val="1476916252"/>
+      </p:ext>
+    </p:extLst>
+  </p:cSld>
+  <p:clrMapOvr>
+    <a:masterClrMapping/>
+  </p:clrMapOvr>
+</p:notes>
+</file>
+
+<file path=ppt/notesSlides/notesSlide2.xml><?xml version="1.0" encoding="utf-8"?>
+<p:notes xmlns:a="http://schemas.openxmlformats.org/drawingml/2006/main" xmlns:r="http://schemas.openxmlformats.org/officeDocument/2006/relationships" xmlns:p="http://schemas.openxmlformats.org/presentationml/2006/main">
+  <p:cSld>
+    <p:spTree>
+      <p:nvGrpSpPr>
+        <p:cNvPr id="1" name=""/>
+        <p:cNvGrpSpPr/>
+        <p:nvPr/>
+      </p:nvGrpSpPr>
+      <p:grpSpPr>
+        <a:xfrm>
+          <a:off x="0" y="0"/>
+          <a:ext cx="0" cy="0"/>
+          <a:chOff x="0" y="0"/>
+          <a:chExt cx="0" cy="0"/>
+        </a:xfrm>
+      </p:grpSpPr>
+      <p:sp>
+        <p:nvSpPr>
+          <p:cNvPr id="2" name="スライド イメージ プレースホルダー 1"/>
+          <p:cNvSpPr>
+            <a:spLocks noGrp="1" noRot="1" noChangeAspect="1"/>
+          </p:cNvSpPr>
+          <p:nvPr>
+            <p:ph type="sldImg"/>
+          </p:nvPr>
+        </p:nvSpPr>
+        <p:spPr/>
+      </p:sp>
+      <p:sp>
+        <p:nvSpPr>
+          <p:cNvPr id="3" name="ノート プレースホルダー 2"/>
+          <p:cNvSpPr>
+            <a:spLocks noGrp="1"/>
+          </p:cNvSpPr>
+          <p:nvPr>
+            <p:ph type="body" idx="1"/>
+          </p:nvPr>
+        </p:nvSpPr>
+        <p:spPr/>
+        <p:txBody>
+          <a:bodyPr/>
+          <a:lstStyle/>
+          <a:p>
+            <a:r>
+              <a:rPr kumimoji="1" lang="ja-JP" altLang="en-US" dirty="0"/>
+              <a:t>宛先：新着　＝</a:t>
+            </a:r>
+            <a:r>
+              <a:rPr kumimoji="1" lang="en-US" altLang="ja-JP" dirty="0"/>
+              <a:t>1</a:t>
+            </a:r>
+            <a:r>
+              <a:rPr kumimoji="1" lang="ja-JP" altLang="en-US" dirty="0"/>
+              <a:t>：</a:t>
+            </a:r>
+            <a:r>
+              <a:rPr kumimoji="1" lang="en-US" altLang="ja-JP" dirty="0"/>
+              <a:t>n</a:t>
+            </a:r>
+          </a:p>
+          <a:p>
+            <a:r>
+              <a:rPr kumimoji="1" lang="ja-JP" altLang="en-US" dirty="0"/>
+              <a:t>記事の配信可否は絞り切っている</a:t>
+            </a:r>
+            <a:endParaRPr kumimoji="1" lang="en-US" altLang="ja-JP" dirty="0"/>
+          </a:p>
+          <a:p>
+            <a:endParaRPr kumimoji="1" lang="en-US" altLang="ja-JP" dirty="0"/>
+          </a:p>
+          <a:p>
+            <a:pPr marL="0" marR="0" lvl="0" indent="0" algn="l" defTabSz="914400" rtl="0" eaLnBrk="1" fontAlgn="auto" latinLnBrk="0" hangingPunct="1">
+              <a:lnSpc>
+                <a:spcPct val="100000"/>
+              </a:lnSpc>
+              <a:spcBef>
+                <a:spcPts val="0"/>
+              </a:spcBef>
+              <a:spcAft>
+                <a:spcPts val="0"/>
+              </a:spcAft>
+              <a:buClrTx/>
+              <a:buSzTx/>
+              <a:buFontTx/>
+              <a:buNone/>
+              <a:tabLst/>
+              <a:defRPr/>
+            </a:pPr>
+            <a:r>
+              <a:rPr lang="ja-JP" altLang="en-US" b="1" dirty="0">
+                <a:solidFill>
+                  <a:srgbClr val="FF0000"/>
+                </a:solidFill>
+              </a:rPr>
+              <a:t>リビジョン最新で検索→こっち</a:t>
+            </a:r>
+            <a:endParaRPr kumimoji="1" lang="ja-JP" altLang="en-US" b="1" dirty="0">
+              <a:solidFill>
+                <a:srgbClr val="FF0000"/>
+              </a:solidFill>
+            </a:endParaRPr>
+          </a:p>
+          <a:p>
+            <a:endParaRPr kumimoji="1" lang="en-US" altLang="ja-JP" dirty="0"/>
+          </a:p>
+          <a:p>
+            <a:endParaRPr kumimoji="1" lang="en-US" altLang="ja-JP" dirty="0"/>
+          </a:p>
+          <a:p>
+            <a:endParaRPr kumimoji="1" lang="en-US" altLang="ja-JP" dirty="0"/>
+          </a:p>
+          <a:p>
+            <a:br>
+              <a:rPr kumimoji="1" lang="en-US" altLang="ja-JP" dirty="0"/>
+            </a:br>
+            <a:endParaRPr kumimoji="1" lang="ja-JP" altLang="en-US" dirty="0"/>
+          </a:p>
+        </p:txBody>
+      </p:sp>
+      <p:sp>
+        <p:nvSpPr>
+          <p:cNvPr id="4" name="スライド番号プレースホルダー 3"/>
+          <p:cNvSpPr>
+            <a:spLocks noGrp="1"/>
+          </p:cNvSpPr>
+          <p:nvPr>
+            <p:ph type="sldNum" sz="quarter" idx="5"/>
+          </p:nvPr>
+        </p:nvSpPr>
+        <p:spPr/>
+        <p:txBody>
+          <a:bodyPr/>
+          <a:lstStyle/>
+          <a:p>
+            <a:fld id="{C33159BC-B929-4E64-A279-189C8F46D2F6}" type="slidenum">
+              <a:rPr kumimoji="1" lang="ja-JP" altLang="en-US" smtClean="0"/>
+              <a:t>9</a:t>
+            </a:fld>
+            <a:endParaRPr kumimoji="1" lang="ja-JP" altLang="en-US"/>
+          </a:p>
+        </p:txBody>
+      </p:sp>
+    </p:spTree>
+    <p:extLst>
+      <p:ext uri="{BB962C8B-B14F-4D97-AF65-F5344CB8AC3E}">
+        <p14:creationId xmlns:p14="http://schemas.microsoft.com/office/powerpoint/2010/main" val="1257791498"/>
+      </p:ext>
+    </p:extLst>
+  </p:cSld>
+  <p:clrMapOvr>
+    <a:masterClrMapping/>
+  </p:clrMapOvr>
+</p:notes>
+</file>
+
+<file path=ppt/notesSlides/notesSlide3.xml><?xml version="1.0" encoding="utf-8"?>
+<p:notes xmlns:a="http://schemas.openxmlformats.org/drawingml/2006/main" xmlns:r="http://schemas.openxmlformats.org/officeDocument/2006/relationships" xmlns:p="http://schemas.openxmlformats.org/presentationml/2006/main">
+  <p:cSld>
+    <p:spTree>
+      <p:nvGrpSpPr>
+        <p:cNvPr id="1" name=""/>
+        <p:cNvGrpSpPr/>
+        <p:nvPr/>
+      </p:nvGrpSpPr>
+      <p:grpSpPr>
+        <a:xfrm>
+          <a:off x="0" y="0"/>
+          <a:ext cx="0" cy="0"/>
+          <a:chOff x="0" y="0"/>
+          <a:chExt cx="0" cy="0"/>
+        </a:xfrm>
+      </p:grpSpPr>
+      <p:sp>
+        <p:nvSpPr>
+          <p:cNvPr id="2" name="スライド イメージ プレースホルダー 1"/>
+          <p:cNvSpPr>
+            <a:spLocks noGrp="1" noRot="1" noChangeAspect="1"/>
+          </p:cNvSpPr>
+          <p:nvPr>
+            <p:ph type="sldImg"/>
+          </p:nvPr>
+        </p:nvSpPr>
+        <p:spPr/>
+      </p:sp>
+      <p:sp>
+        <p:nvSpPr>
+          <p:cNvPr id="3" name="ノート プレースホルダー 2"/>
+          <p:cNvSpPr>
+            <a:spLocks noGrp="1"/>
+          </p:cNvSpPr>
+          <p:nvPr>
+            <p:ph type="body" idx="1"/>
+          </p:nvPr>
+        </p:nvSpPr>
+        <p:spPr/>
+        <p:txBody>
+          <a:bodyPr/>
+          <a:lstStyle/>
+          <a:p>
+            <a:r>
+              <a:rPr kumimoji="1" lang="ja-JP" altLang="en-US" b="1" dirty="0"/>
+              <a:t>新着情報テーブル</a:t>
+            </a:r>
+            <a:endParaRPr kumimoji="1" lang="en-US" altLang="ja-JP" b="1" dirty="0"/>
+          </a:p>
+          <a:p>
+            <a:r>
+              <a:rPr kumimoji="1" lang="ja-JP" altLang="en-US" dirty="0"/>
+              <a:t>①</a:t>
+            </a:r>
+            <a:r>
+              <a:rPr kumimoji="1" lang="en-US" altLang="ja-JP" dirty="0"/>
+              <a:t>PK</a:t>
+            </a:r>
+            <a:r>
+              <a:rPr kumimoji="1" lang="ja-JP" altLang="en-US" dirty="0"/>
+              <a:t>は</a:t>
+            </a:r>
+            <a:r>
+              <a:rPr kumimoji="1" lang="en-US" altLang="ja-JP" dirty="0"/>
+              <a:t>FK</a:t>
+            </a:r>
+            <a:r>
+              <a:rPr kumimoji="1" lang="ja-JP" altLang="en-US" dirty="0"/>
+              <a:t>以外</a:t>
+            </a:r>
+            <a:r>
+              <a:rPr kumimoji="1" lang="en-US" altLang="ja-JP" dirty="0"/>
+              <a:t>(</a:t>
+            </a:r>
+            <a:r>
+              <a:rPr kumimoji="1" lang="ja-JP" altLang="en-US" dirty="0"/>
+              <a:t>新着情報</a:t>
+            </a:r>
+            <a:r>
+              <a:rPr kumimoji="1" lang="en-US" altLang="ja-JP" dirty="0"/>
+              <a:t>ID</a:t>
+            </a:r>
+            <a:r>
+              <a:rPr kumimoji="1" lang="ja-JP" altLang="en-US" dirty="0"/>
+              <a:t>新規追加</a:t>
+            </a:r>
+            <a:r>
+              <a:rPr kumimoji="1" lang="en-US" altLang="ja-JP" dirty="0"/>
+              <a:t>)</a:t>
+            </a:r>
+          </a:p>
+          <a:p>
+            <a:r>
+              <a:rPr kumimoji="1" lang="ja-JP" altLang="en-US" dirty="0"/>
+              <a:t>→バージョン、新着設定</a:t>
+            </a:r>
+            <a:r>
+              <a:rPr kumimoji="1" lang="en-US" altLang="ja-JP" dirty="0"/>
+              <a:t>ID</a:t>
+            </a:r>
+            <a:r>
+              <a:rPr kumimoji="1" lang="ja-JP" altLang="en-US" dirty="0"/>
+              <a:t>は一カラムとする</a:t>
+            </a:r>
+            <a:endParaRPr kumimoji="1" lang="en-US" altLang="ja-JP" dirty="0"/>
+          </a:p>
+          <a:p>
+            <a:endParaRPr kumimoji="1" lang="en-US" altLang="ja-JP" dirty="0"/>
+          </a:p>
+          <a:p>
+            <a:r>
+              <a:rPr kumimoji="1" lang="ja-JP" altLang="en-US" dirty="0"/>
+              <a:t>②作成契機となった記事の素材</a:t>
+            </a:r>
+            <a:r>
+              <a:rPr kumimoji="1" lang="en-US" altLang="ja-JP" dirty="0"/>
+              <a:t>ID</a:t>
+            </a:r>
+            <a:r>
+              <a:rPr kumimoji="1" lang="ja-JP" altLang="en-US" dirty="0"/>
+              <a:t>リビジョンのカラム追加が必要</a:t>
+            </a:r>
+            <a:endParaRPr kumimoji="1" lang="en-US" altLang="ja-JP" dirty="0"/>
+          </a:p>
+          <a:p>
+            <a:endParaRPr kumimoji="1" lang="en-US" altLang="ja-JP" dirty="0"/>
+          </a:p>
+          <a:p>
+            <a:r>
+              <a:rPr kumimoji="1" lang="ja-JP" altLang="en-US" dirty="0"/>
+              <a:t>公開日時：新着</a:t>
+            </a:r>
+            <a:r>
+              <a:rPr kumimoji="1" lang="en-US" altLang="ja-JP" dirty="0"/>
+              <a:t>XML</a:t>
+            </a:r>
+            <a:r>
+              <a:rPr kumimoji="1" lang="ja-JP" altLang="en-US" dirty="0"/>
+              <a:t>の</a:t>
+            </a:r>
+            <a:r>
+              <a:rPr kumimoji="1" lang="en-US" altLang="ja-JP" dirty="0" err="1"/>
+              <a:t>DateId</a:t>
+            </a:r>
+            <a:r>
+              <a:rPr kumimoji="1" lang="en-US" altLang="ja-JP" dirty="0"/>
+              <a:t>(</a:t>
+            </a:r>
+            <a:r>
+              <a:rPr kumimoji="1" lang="ja-JP" altLang="en-US" dirty="0"/>
+              <a:t>今は作成日時のため、未来配信の際前もって作り始めた時間が入る</a:t>
+            </a:r>
+            <a:r>
+              <a:rPr kumimoji="1" lang="en-US" altLang="ja-JP" dirty="0"/>
+              <a:t>(5</a:t>
+            </a:r>
+            <a:r>
+              <a:rPr kumimoji="1" lang="ja-JP" altLang="en-US" dirty="0"/>
+              <a:t>分前なら公開日時</a:t>
+            </a:r>
+            <a:r>
+              <a:rPr kumimoji="1" lang="en-US" altLang="ja-JP" dirty="0"/>
+              <a:t>5</a:t>
+            </a:r>
+            <a:r>
+              <a:rPr kumimoji="1" lang="ja-JP" altLang="en-US" dirty="0"/>
+              <a:t>分前辺り</a:t>
+            </a:r>
+            <a:r>
+              <a:rPr kumimoji="1" lang="en-US" altLang="ja-JP" dirty="0"/>
+              <a:t>)) </a:t>
+            </a:r>
+          </a:p>
+          <a:p>
+            <a:r>
+              <a:rPr kumimoji="1" lang="ja-JP" altLang="en-US" dirty="0"/>
+              <a:t>→新着</a:t>
+            </a:r>
+            <a:r>
+              <a:rPr kumimoji="1" lang="en-US" altLang="ja-JP" dirty="0"/>
+              <a:t>XML</a:t>
+            </a:r>
+            <a:r>
+              <a:rPr kumimoji="1" lang="ja-JP" altLang="en-US" dirty="0"/>
+              <a:t>の</a:t>
+            </a:r>
+            <a:r>
+              <a:rPr kumimoji="1" lang="en-US" altLang="ja-JP" dirty="0" err="1"/>
+              <a:t>DateId</a:t>
+            </a:r>
+            <a:r>
+              <a:rPr kumimoji="1" lang="ja-JP" altLang="en-US"/>
+              <a:t>には、契機</a:t>
+            </a:r>
+            <a:r>
+              <a:rPr kumimoji="1" lang="ja-JP" altLang="en-US" dirty="0"/>
+              <a:t>となった記事の公開日時が入るべきか</a:t>
+            </a:r>
+            <a:endParaRPr kumimoji="1" lang="en-US" altLang="ja-JP" dirty="0"/>
+          </a:p>
+          <a:p>
+            <a:endParaRPr kumimoji="1" lang="en-US" altLang="ja-JP" dirty="0"/>
+          </a:p>
+          <a:p>
+            <a:r>
+              <a:rPr kumimoji="1" lang="ja-JP" altLang="en-US" b="1" dirty="0"/>
+              <a:t>新着に紐づく記事持ち方どうしよう</a:t>
+            </a:r>
+            <a:endParaRPr kumimoji="1" lang="en-US" altLang="ja-JP" b="1" dirty="0"/>
+          </a:p>
+          <a:p>
+            <a:r>
+              <a:rPr kumimoji="1" lang="ja-JP" altLang="en-US" dirty="0"/>
+              <a:t>→関連テーブルが必要</a:t>
+            </a:r>
+            <a:endParaRPr kumimoji="1" lang="en-US" altLang="ja-JP" dirty="0"/>
+          </a:p>
+          <a:p>
+            <a:r>
+              <a:rPr kumimoji="1" lang="ja-JP" altLang="en-US" dirty="0"/>
+              <a:t>　編成情報・記事情報関連　を流用（リトライに備えて記事のリビジョンも必要となるため、枠</a:t>
+            </a:r>
+            <a:r>
+              <a:rPr kumimoji="1" lang="en-US" altLang="ja-JP" dirty="0"/>
+              <a:t>ID</a:t>
+            </a:r>
+            <a:r>
+              <a:rPr kumimoji="1" lang="ja-JP" altLang="en-US" dirty="0"/>
+              <a:t>→記事順的な役割に変更）</a:t>
+            </a:r>
+            <a:endParaRPr kumimoji="1" lang="en-US" altLang="ja-JP" dirty="0"/>
+          </a:p>
+          <a:p>
+            <a:endParaRPr kumimoji="1" lang="en-US" altLang="ja-JP" dirty="0"/>
+          </a:p>
+          <a:p>
+            <a:r>
+              <a:rPr kumimoji="1" lang="ja-JP" altLang="en-US" b="1" dirty="0"/>
+              <a:t>公開取消のフローについて（公開前の公開取消）</a:t>
+            </a:r>
+            <a:endParaRPr kumimoji="1" lang="en-US" altLang="ja-JP" b="1" dirty="0"/>
+          </a:p>
+          <a:p>
+            <a:r>
+              <a:rPr kumimoji="1" lang="ja-JP" altLang="en-US" dirty="0"/>
+              <a:t>①公開取消になった記事が作成契機となった新着情報を論理削除</a:t>
+            </a:r>
+          </a:p>
+          <a:p>
+            <a:r>
+              <a:rPr kumimoji="1" lang="ja-JP" altLang="en-US" dirty="0"/>
+              <a:t>②公開取消になった記事が刺さっている関連テーブルの、公開取消記事部分のみを物理削除</a:t>
+            </a:r>
+            <a:endParaRPr kumimoji="1" lang="en-US" altLang="ja-JP" dirty="0"/>
+          </a:p>
+          <a:p>
+            <a:endParaRPr kumimoji="1" lang="en-US" altLang="ja-JP" dirty="0"/>
+          </a:p>
+          <a:p>
+            <a:r>
+              <a:rPr kumimoji="1" lang="ja-JP" altLang="en-US" b="1" dirty="0"/>
+              <a:t>（公開済みの公開取消）</a:t>
+            </a:r>
+            <a:endParaRPr kumimoji="1" lang="en-US" altLang="ja-JP" b="1" dirty="0"/>
+          </a:p>
+          <a:p>
+            <a:r>
+              <a:rPr kumimoji="1" lang="ja-JP" altLang="en-US" dirty="0"/>
+              <a:t>公開済みのものは何も更新せずに残しておくべきか？</a:t>
+            </a:r>
+            <a:endParaRPr kumimoji="1" lang="en-US" altLang="ja-JP" dirty="0"/>
+          </a:p>
+          <a:p>
+            <a:r>
+              <a:rPr kumimoji="1" lang="ja-JP" altLang="en-US" dirty="0"/>
+              <a:t>→</a:t>
+            </a:r>
+            <a:r>
+              <a:rPr kumimoji="1" lang="en-US" altLang="ja-JP" dirty="0"/>
+              <a:t>yes:</a:t>
+            </a:r>
+            <a:r>
+              <a:rPr kumimoji="1" lang="ja-JP" altLang="en-US" dirty="0"/>
+              <a:t>公開取消になった記事が刺さっている関連テーブルの、リビジョン</a:t>
+            </a:r>
+            <a:r>
+              <a:rPr kumimoji="1" lang="en-US" altLang="ja-JP" dirty="0"/>
+              <a:t>up</a:t>
+            </a:r>
+            <a:r>
+              <a:rPr kumimoji="1" lang="ja-JP" altLang="en-US" dirty="0"/>
+              <a:t>かつ公開取消記事部分以外で新規関連テーブルデータ作成</a:t>
+            </a:r>
+            <a:endParaRPr kumimoji="1" lang="en-US" altLang="ja-JP" dirty="0"/>
+          </a:p>
+          <a:p>
+            <a:r>
+              <a:rPr kumimoji="1" lang="ja-JP" altLang="en-US" dirty="0"/>
+              <a:t>　　　　　　新着情報テーブルは、リビジョン</a:t>
+            </a:r>
+            <a:r>
+              <a:rPr kumimoji="1" lang="en-US" altLang="ja-JP" dirty="0"/>
+              <a:t>up</a:t>
+            </a:r>
+            <a:r>
+              <a:rPr kumimoji="1" lang="ja-JP" altLang="en-US" dirty="0"/>
+              <a:t>、</a:t>
+            </a:r>
+          </a:p>
+        </p:txBody>
+      </p:sp>
+      <p:sp>
+        <p:nvSpPr>
+          <p:cNvPr id="4" name="スライド番号プレースホルダー 3"/>
+          <p:cNvSpPr>
+            <a:spLocks noGrp="1"/>
+          </p:cNvSpPr>
+          <p:nvPr>
+            <p:ph type="sldNum" sz="quarter" idx="5"/>
+          </p:nvPr>
+        </p:nvSpPr>
+        <p:spPr/>
+        <p:txBody>
+          <a:bodyPr/>
+          <a:lstStyle/>
+          <a:p>
+            <a:fld id="{C33159BC-B929-4E64-A279-189C8F46D2F6}" type="slidenum">
+              <a:rPr kumimoji="1" lang="ja-JP" altLang="en-US" smtClean="0"/>
+              <a:t>10</a:t>
+            </a:fld>
+            <a:endParaRPr kumimoji="1" lang="ja-JP" altLang="en-US"/>
+          </a:p>
+        </p:txBody>
+      </p:sp>
+    </p:spTree>
+    <p:extLst>
+      <p:ext uri="{BB962C8B-B14F-4D97-AF65-F5344CB8AC3E}">
+        <p14:creationId xmlns:p14="http://schemas.microsoft.com/office/powerpoint/2010/main" val="3877177444"/>
+      </p:ext>
+    </p:extLst>
+  </p:cSld>
+  <p:clrMapOvr>
+    <a:masterClrMapping/>
+  </p:clrMapOvr>
+</p:notes>
+</file>
+
 <file path=ppt/slideLayouts/slideLayout1.xml><?xml version="1.0" encoding="utf-8"?>
 <p:sldLayout xmlns:a="http://schemas.openxmlformats.org/drawingml/2006/main" xmlns:r="http://schemas.openxmlformats.org/officeDocument/2006/relationships" xmlns:p="http://schemas.openxmlformats.org/presentationml/2006/main" type="title" preserve="1">
   <p:cSld name="タイトル スライド">
@@ -268,7 +1309,7 @@
           <a:p>
             <a:fld id="{31C7B1C2-16F8-495D-89D8-160BBDFC43B6}" type="datetimeFigureOut">
               <a:rPr kumimoji="1" lang="ja-JP" altLang="en-US" smtClean="0"/>
-              <a:t>2020/11/13</a:t>
+              <a:t>2020/11/16</a:t>
             </a:fld>
             <a:endParaRPr kumimoji="1" lang="ja-JP" altLang="en-US"/>
           </a:p>
@@ -498,7 +1539,7 @@
           <a:p>
             <a:fld id="{31C7B1C2-16F8-495D-89D8-160BBDFC43B6}" type="datetimeFigureOut">
               <a:rPr kumimoji="1" lang="ja-JP" altLang="en-US" smtClean="0"/>
-              <a:t>2020/11/13</a:t>
+              <a:t>2020/11/16</a:t>
             </a:fld>
             <a:endParaRPr kumimoji="1" lang="ja-JP" altLang="en-US"/>
           </a:p>
@@ -738,7 +1779,7 @@
           <a:p>
             <a:fld id="{31C7B1C2-16F8-495D-89D8-160BBDFC43B6}" type="datetimeFigureOut">
               <a:rPr kumimoji="1" lang="ja-JP" altLang="en-US" smtClean="0"/>
-              <a:t>2020/11/13</a:t>
+              <a:t>2020/11/16</a:t>
             </a:fld>
             <a:endParaRPr kumimoji="1" lang="ja-JP" altLang="en-US"/>
           </a:p>
@@ -968,7 +2009,7 @@
           <a:p>
             <a:fld id="{31C7B1C2-16F8-495D-89D8-160BBDFC43B6}" type="datetimeFigureOut">
               <a:rPr kumimoji="1" lang="ja-JP" altLang="en-US" smtClean="0"/>
-              <a:t>2020/11/13</a:t>
+              <a:t>2020/11/16</a:t>
             </a:fld>
             <a:endParaRPr kumimoji="1" lang="ja-JP" altLang="en-US"/>
           </a:p>
@@ -1243,7 +2284,7 @@
           <a:p>
             <a:fld id="{31C7B1C2-16F8-495D-89D8-160BBDFC43B6}" type="datetimeFigureOut">
               <a:rPr kumimoji="1" lang="ja-JP" altLang="en-US" smtClean="0"/>
-              <a:t>2020/11/13</a:t>
+              <a:t>2020/11/16</a:t>
             </a:fld>
             <a:endParaRPr kumimoji="1" lang="ja-JP" altLang="en-US"/>
           </a:p>
@@ -1572,7 +2613,7 @@
           <a:p>
             <a:fld id="{31C7B1C2-16F8-495D-89D8-160BBDFC43B6}" type="datetimeFigureOut">
               <a:rPr kumimoji="1" lang="ja-JP" altLang="en-US" smtClean="0"/>
-              <a:t>2020/11/13</a:t>
+              <a:t>2020/11/16</a:t>
             </a:fld>
             <a:endParaRPr kumimoji="1" lang="ja-JP" altLang="en-US"/>
           </a:p>
@@ -2048,7 +3089,7 @@
           <a:p>
             <a:fld id="{31C7B1C2-16F8-495D-89D8-160BBDFC43B6}" type="datetimeFigureOut">
               <a:rPr kumimoji="1" lang="ja-JP" altLang="en-US" smtClean="0"/>
-              <a:t>2020/11/13</a:t>
+              <a:t>2020/11/16</a:t>
             </a:fld>
             <a:endParaRPr kumimoji="1" lang="ja-JP" altLang="en-US"/>
           </a:p>
@@ -2189,7 +3230,7 @@
           <a:p>
             <a:fld id="{31C7B1C2-16F8-495D-89D8-160BBDFC43B6}" type="datetimeFigureOut">
               <a:rPr kumimoji="1" lang="ja-JP" altLang="en-US" smtClean="0"/>
-              <a:t>2020/11/13</a:t>
+              <a:t>2020/11/16</a:t>
             </a:fld>
             <a:endParaRPr kumimoji="1" lang="ja-JP" altLang="en-US"/>
           </a:p>
@@ -2302,7 +3343,7 @@
           <a:p>
             <a:fld id="{31C7B1C2-16F8-495D-89D8-160BBDFC43B6}" type="datetimeFigureOut">
               <a:rPr kumimoji="1" lang="ja-JP" altLang="en-US" smtClean="0"/>
-              <a:t>2020/11/13</a:t>
+              <a:t>2020/11/16</a:t>
             </a:fld>
             <a:endParaRPr kumimoji="1" lang="ja-JP" altLang="en-US"/>
           </a:p>
@@ -2645,7 +3686,7 @@
           <a:p>
             <a:fld id="{31C7B1C2-16F8-495D-89D8-160BBDFC43B6}" type="datetimeFigureOut">
               <a:rPr kumimoji="1" lang="ja-JP" altLang="en-US" smtClean="0"/>
-              <a:t>2020/11/13</a:t>
+              <a:t>2020/11/16</a:t>
             </a:fld>
             <a:endParaRPr kumimoji="1" lang="ja-JP" altLang="en-US"/>
           </a:p>
@@ -2933,7 +3974,7 @@
           <a:p>
             <a:fld id="{31C7B1C2-16F8-495D-89D8-160BBDFC43B6}" type="datetimeFigureOut">
               <a:rPr kumimoji="1" lang="ja-JP" altLang="en-US" smtClean="0"/>
-              <a:t>2020/11/13</a:t>
+              <a:t>2020/11/16</a:t>
             </a:fld>
             <a:endParaRPr kumimoji="1" lang="ja-JP" altLang="en-US"/>
           </a:p>
@@ -3206,7 +4247,7 @@
           <a:p>
             <a:fld id="{31C7B1C2-16F8-495D-89D8-160BBDFC43B6}" type="datetimeFigureOut">
               <a:rPr kumimoji="1" lang="ja-JP" altLang="en-US" smtClean="0"/>
-              <a:t>2020/11/13</a:t>
+              <a:t>2020/11/16</a:t>
             </a:fld>
             <a:endParaRPr kumimoji="1" lang="ja-JP" altLang="en-US"/>
           </a:p>
@@ -5798,7 +6839,7 @@
           <a:lstStyle/>
           <a:p>
             <a:pPr algn="ctr"/>
-            <a:endParaRPr kumimoji="1" lang="ja-JP" altLang="en-US"/>
+            <a:endParaRPr kumimoji="1" lang="ja-JP" altLang="en-US" dirty="0"/>
           </a:p>
         </p:txBody>
       </p:sp>
@@ -6185,7 +7226,7 @@
           <a:noFill/>
         </p:spPr>
         <p:txBody>
-          <a:bodyPr wrap="none" rtlCol="0">
+          <a:bodyPr wrap="square" rtlCol="0">
             <a:spAutoFit/>
           </a:bodyPr>
           <a:lstStyle/>
@@ -21646,4 +22687,299 @@
     </a:ext>
   </a:extLst>
 </a:theme>
+</file>
+
+<file path=ppt/theme/theme2.xml><?xml version="1.0" encoding="utf-8"?>
+<a:theme xmlns:a="http://schemas.openxmlformats.org/drawingml/2006/main" name="Office テーマ">
+  <a:themeElements>
+    <a:clrScheme name="Office">
+      <a:dk1>
+        <a:sysClr val="windowText" lastClr="000000"/>
+      </a:dk1>
+      <a:lt1>
+        <a:sysClr val="window" lastClr="FFFFFF"/>
+      </a:lt1>
+      <a:dk2>
+        <a:srgbClr val="44546A"/>
+      </a:dk2>
+      <a:lt2>
+        <a:srgbClr val="E7E6E6"/>
+      </a:lt2>
+      <a:accent1>
+        <a:srgbClr val="4472C4"/>
+      </a:accent1>
+      <a:accent2>
+        <a:srgbClr val="ED7D31"/>
+      </a:accent2>
+      <a:accent3>
+        <a:srgbClr val="A5A5A5"/>
+      </a:accent3>
+      <a:accent4>
+        <a:srgbClr val="FFC000"/>
+      </a:accent4>
+      <a:accent5>
+        <a:srgbClr val="5B9BD5"/>
+      </a:accent5>
+      <a:accent6>
+        <a:srgbClr val="70AD47"/>
+      </a:accent6>
+      <a:hlink>
+        <a:srgbClr val="0563C1"/>
+      </a:hlink>
+      <a:folHlink>
+        <a:srgbClr val="954F72"/>
+      </a:folHlink>
+    </a:clrScheme>
+    <a:fontScheme name="Office">
+      <a:majorFont>
+        <a:latin typeface="游ゴシック Light" panose="020F0302020204030204"/>
+        <a:ea typeface=""/>
+        <a:cs typeface=""/>
+        <a:font script="Jpan" typeface="游ゴシック Light"/>
+        <a:font script="Hang" typeface="맑은 고딕"/>
+        <a:font script="Hans" typeface="等线 Light"/>
+        <a:font script="Hant" typeface="新細明體"/>
+        <a:font script="Arab" typeface="Times New Roman"/>
+        <a:font script="Hebr" typeface="Times New Roman"/>
+        <a:font script="Thai" typeface="Angsana New"/>
+        <a:font script="Ethi" typeface="Nyala"/>
+        <a:font script="Beng" typeface="Vrinda"/>
+        <a:font script="Gujr" typeface="Shruti"/>
+        <a:font script="Khmr" typeface="MoolBoran"/>
+        <a:font script="Knda" typeface="Tunga"/>
+        <a:font script="Guru" typeface="Raavi"/>
+        <a:font script="Cans" typeface="Euphemia"/>
+        <a:font script="Cher" typeface="Plantagenet Cherokee"/>
+        <a:font script="Yiii" typeface="Microsoft Yi Baiti"/>
+        <a:font script="Tibt" typeface="Microsoft Himalaya"/>
+        <a:font script="Thaa" typeface="MV Boli"/>
+        <a:font script="Deva" typeface="Mangal"/>
+        <a:font script="Telu" typeface="Gautami"/>
+        <a:font script="Taml" typeface="Latha"/>
+        <a:font script="Syrc" typeface="Estrangelo Edessa"/>
+        <a:font script="Orya" typeface="Kalinga"/>
+        <a:font script="Mlym" typeface="Kartika"/>
+        <a:font script="Laoo" typeface="DokChampa"/>
+        <a:font script="Sinh" typeface="Iskoola Pota"/>
+        <a:font script="Mong" typeface="Mongolian Baiti"/>
+        <a:font script="Viet" typeface="Times New Roman"/>
+        <a:font script="Uigh" typeface="Microsoft Uighur"/>
+        <a:font script="Geor" typeface="Sylfaen"/>
+        <a:font script="Armn" typeface="Arial"/>
+        <a:font script="Bugi" typeface="Leelawadee UI"/>
+        <a:font script="Bopo" typeface="Microsoft JhengHei"/>
+        <a:font script="Java" typeface="Javanese Text"/>
+        <a:font script="Lisu" typeface="Segoe UI"/>
+        <a:font script="Mymr" typeface="Myanmar Text"/>
+        <a:font script="Nkoo" typeface="Ebrima"/>
+        <a:font script="Olck" typeface="Nirmala UI"/>
+        <a:font script="Osma" typeface="Ebrima"/>
+        <a:font script="Phag" typeface="Phagspa"/>
+        <a:font script="Syrn" typeface="Estrangelo Edessa"/>
+        <a:font script="Syrj" typeface="Estrangelo Edessa"/>
+        <a:font script="Syre" typeface="Estrangelo Edessa"/>
+        <a:font script="Sora" typeface="Nirmala UI"/>
+        <a:font script="Tale" typeface="Microsoft Tai Le"/>
+        <a:font script="Talu" typeface="Microsoft New Tai Lue"/>
+        <a:font script="Tfng" typeface="Ebrima"/>
+      </a:majorFont>
+      <a:minorFont>
+        <a:latin typeface="游ゴシック" panose="020F0502020204030204"/>
+        <a:ea typeface=""/>
+        <a:cs typeface=""/>
+        <a:font script="Jpan" typeface="游ゴシック"/>
+        <a:font script="Hang" typeface="맑은 고딕"/>
+        <a:font script="Hans" typeface="等线"/>
+        <a:font script="Hant" typeface="新細明體"/>
+        <a:font script="Arab" typeface="Arial"/>
+        <a:font script="Hebr" typeface="Arial"/>
+        <a:font script="Thai" typeface="Cordia New"/>
+        <a:font script="Ethi" typeface="Nyala"/>
+        <a:font script="Beng" typeface="Vrinda"/>
+        <a:font script="Gujr" typeface="Shruti"/>
+        <a:font script="Khmr" typeface="DaunPenh"/>
+        <a:font script="Knda" typeface="Tunga"/>
+        <a:font script="Guru" typeface="Raavi"/>
+        <a:font script="Cans" typeface="Euphemia"/>
+        <a:font script="Cher" typeface="Plantagenet Cherokee"/>
+        <a:font script="Yiii" typeface="Microsoft Yi Baiti"/>
+        <a:font script="Tibt" typeface="Microsoft Himalaya"/>
+        <a:font script="Thaa" typeface="MV Boli"/>
+        <a:font script="Deva" typeface="Mangal"/>
+        <a:font script="Telu" typeface="Gautami"/>
+        <a:font script="Taml" typeface="Latha"/>
+        <a:font script="Syrc" typeface="Estrangelo Edessa"/>
+        <a:font script="Orya" typeface="Kalinga"/>
+        <a:font script="Mlym" typeface="Kartika"/>
+        <a:font script="Laoo" typeface="DokChampa"/>
+        <a:font script="Sinh" typeface="Iskoola Pota"/>
+        <a:font script="Mong" typeface="Mongolian Baiti"/>
+        <a:font script="Viet" typeface="Arial"/>
+        <a:font script="Uigh" typeface="Microsoft Uighur"/>
+        <a:font script="Geor" typeface="Sylfaen"/>
+        <a:font script="Armn" typeface="Arial"/>
+        <a:font script="Bugi" typeface="Leelawadee UI"/>
+        <a:font script="Bopo" typeface="Microsoft JhengHei"/>
+        <a:font script="Java" typeface="Javanese Text"/>
+        <a:font script="Lisu" typeface="Segoe UI"/>
+        <a:font script="Mymr" typeface="Myanmar Text"/>
+        <a:font script="Nkoo" typeface="Ebrima"/>
+        <a:font script="Olck" typeface="Nirmala UI"/>
+        <a:font script="Osma" typeface="Ebrima"/>
+        <a:font script="Phag" typeface="Phagspa"/>
+        <a:font script="Syrn" typeface="Estrangelo Edessa"/>
+        <a:font script="Syrj" typeface="Estrangelo Edessa"/>
+        <a:font script="Syre" typeface="Estrangelo Edessa"/>
+        <a:font script="Sora" typeface="Nirmala UI"/>
+        <a:font script="Tale" typeface="Microsoft Tai Le"/>
+        <a:font script="Talu" typeface="Microsoft New Tai Lue"/>
+        <a:font script="Tfng" typeface="Ebrima"/>
+      </a:minorFont>
+    </a:fontScheme>
+    <a:fmtScheme name="Office">
+      <a:fillStyleLst>
+        <a:solidFill>
+          <a:schemeClr val="phClr"/>
+        </a:solidFill>
+        <a:gradFill rotWithShape="1">
+          <a:gsLst>
+            <a:gs pos="0">
+              <a:schemeClr val="phClr">
+                <a:lumMod val="110000"/>
+                <a:satMod val="105000"/>
+                <a:tint val="67000"/>
+              </a:schemeClr>
+            </a:gs>
+            <a:gs pos="50000">
+              <a:schemeClr val="phClr">
+                <a:lumMod val="105000"/>
+                <a:satMod val="103000"/>
+                <a:tint val="73000"/>
+              </a:schemeClr>
+            </a:gs>
+            <a:gs pos="100000">
+              <a:schemeClr val="phClr">
+                <a:lumMod val="105000"/>
+                <a:satMod val="109000"/>
+                <a:tint val="81000"/>
+              </a:schemeClr>
+            </a:gs>
+          </a:gsLst>
+          <a:lin ang="5400000" scaled="0"/>
+        </a:gradFill>
+        <a:gradFill rotWithShape="1">
+          <a:gsLst>
+            <a:gs pos="0">
+              <a:schemeClr val="phClr">
+                <a:satMod val="103000"/>
+                <a:lumMod val="102000"/>
+                <a:tint val="94000"/>
+              </a:schemeClr>
+            </a:gs>
+            <a:gs pos="50000">
+              <a:schemeClr val="phClr">
+                <a:satMod val="110000"/>
+                <a:lumMod val="100000"/>
+                <a:shade val="100000"/>
+              </a:schemeClr>
+            </a:gs>
+            <a:gs pos="100000">
+              <a:schemeClr val="phClr">
+                <a:lumMod val="99000"/>
+                <a:satMod val="120000"/>
+                <a:shade val="78000"/>
+              </a:schemeClr>
+            </a:gs>
+          </a:gsLst>
+          <a:lin ang="5400000" scaled="0"/>
+        </a:gradFill>
+      </a:fillStyleLst>
+      <a:lnStyleLst>
+        <a:ln w="6350" cap="flat" cmpd="sng" algn="ctr">
+          <a:solidFill>
+            <a:schemeClr val="phClr"/>
+          </a:solidFill>
+          <a:prstDash val="solid"/>
+          <a:miter lim="800000"/>
+        </a:ln>
+        <a:ln w="12700" cap="flat" cmpd="sng" algn="ctr">
+          <a:solidFill>
+            <a:schemeClr val="phClr"/>
+          </a:solidFill>
+          <a:prstDash val="solid"/>
+          <a:miter lim="800000"/>
+        </a:ln>
+        <a:ln w="19050" cap="flat" cmpd="sng" algn="ctr">
+          <a:solidFill>
+            <a:schemeClr val="phClr"/>
+          </a:solidFill>
+          <a:prstDash val="solid"/>
+          <a:miter lim="800000"/>
+        </a:ln>
+      </a:lnStyleLst>
+      <a:effectStyleLst>
+        <a:effectStyle>
+          <a:effectLst/>
+        </a:effectStyle>
+        <a:effectStyle>
+          <a:effectLst/>
+        </a:effectStyle>
+        <a:effectStyle>
+          <a:effectLst>
+            <a:outerShdw blurRad="57150" dist="19050" dir="5400000" algn="ctr" rotWithShape="0">
+              <a:srgbClr val="000000">
+                <a:alpha val="63000"/>
+              </a:srgbClr>
+            </a:outerShdw>
+          </a:effectLst>
+        </a:effectStyle>
+      </a:effectStyleLst>
+      <a:bgFillStyleLst>
+        <a:solidFill>
+          <a:schemeClr val="phClr"/>
+        </a:solidFill>
+        <a:solidFill>
+          <a:schemeClr val="phClr">
+            <a:tint val="95000"/>
+            <a:satMod val="170000"/>
+          </a:schemeClr>
+        </a:solidFill>
+        <a:gradFill rotWithShape="1">
+          <a:gsLst>
+            <a:gs pos="0">
+              <a:schemeClr val="phClr">
+                <a:tint val="93000"/>
+                <a:satMod val="150000"/>
+                <a:shade val="98000"/>
+                <a:lumMod val="102000"/>
+              </a:schemeClr>
+            </a:gs>
+            <a:gs pos="50000">
+              <a:schemeClr val="phClr">
+                <a:tint val="98000"/>
+                <a:satMod val="130000"/>
+                <a:shade val="90000"/>
+                <a:lumMod val="103000"/>
+              </a:schemeClr>
+            </a:gs>
+            <a:gs pos="100000">
+              <a:schemeClr val="phClr">
+                <a:shade val="63000"/>
+                <a:satMod val="120000"/>
+              </a:schemeClr>
+            </a:gs>
+          </a:gsLst>
+          <a:lin ang="5400000" scaled="0"/>
+        </a:gradFill>
+      </a:bgFillStyleLst>
+    </a:fmtScheme>
+  </a:themeElements>
+  <a:objectDefaults/>
+  <a:extraClrSchemeLst/>
+  <a:extLst>
+    <a:ext uri="{05A4C25C-085E-4340-85A3-A5531E510DB2}">
+      <thm15:themeFamily xmlns:thm15="http://schemas.microsoft.com/office/thememl/2012/main" name="Office Theme" id="{62F939B6-93AF-4DB8-9C6B-D6C7DFDC589F}" vid="{4A3C46E8-61CC-4603-A589-7422A47A8E4A}"/>
+    </a:ext>
+  </a:extLst>
+</a:theme>
 </file>